--- a/PPT/19 indexas o enriqueces.pptx
+++ b/PPT/19 indexas o enriqueces.pptx
@@ -205,12 +205,59 @@
   <pc:docChgLst>
     <pc:chgData name="Roberto Tejero" userId="df99c9947d6af889" providerId="LiveId" clId="{E4DA1F66-D48B-4FDF-8441-406248A9223C}"/>
     <pc:docChg chg="undo custSel modSld">
-      <pc:chgData name="Roberto Tejero" userId="df99c9947d6af889" providerId="LiveId" clId="{E4DA1F66-D48B-4FDF-8441-406248A9223C}" dt="2021-01-10T15:46:14.750" v="205" actId="14100"/>
+      <pc:chgData name="Roberto Tejero" userId="df99c9947d6af889" providerId="LiveId" clId="{E4DA1F66-D48B-4FDF-8441-406248A9223C}" dt="2021-01-10T20:23:59.364" v="270" actId="14100"/>
       <pc:docMkLst>
         <pc:docMk/>
       </pc:docMkLst>
+      <pc:sldChg chg="modSp mod">
+        <pc:chgData name="Roberto Tejero" userId="df99c9947d6af889" providerId="LiveId" clId="{E4DA1F66-D48B-4FDF-8441-406248A9223C}" dt="2021-01-10T20:23:59.364" v="270" actId="14100"/>
+        <pc:sldMkLst>
+          <pc:docMk/>
+          <pc:sldMk cId="4095216866" sldId="2076136262"/>
+        </pc:sldMkLst>
+        <pc:spChg chg="mod">
+          <ac:chgData name="Roberto Tejero" userId="df99c9947d6af889" providerId="LiveId" clId="{E4DA1F66-D48B-4FDF-8441-406248A9223C}" dt="2021-01-10T20:23:06.915" v="227" actId="20577"/>
+          <ac:spMkLst>
+            <pc:docMk/>
+            <pc:sldMk cId="4095216866" sldId="2076136262"/>
+            <ac:spMk id="2" creationId="{0626A76E-B9E1-43DE-894F-7F636E821576}"/>
+          </ac:spMkLst>
+        </pc:spChg>
+        <pc:spChg chg="mod">
+          <ac:chgData name="Roberto Tejero" userId="df99c9947d6af889" providerId="LiveId" clId="{E4DA1F66-D48B-4FDF-8441-406248A9223C}" dt="2021-01-10T20:23:12.944" v="238"/>
+          <ac:spMkLst>
+            <pc:docMk/>
+            <pc:sldMk cId="4095216866" sldId="2076136262"/>
+            <ac:spMk id="3" creationId="{CE7F95F9-74E0-445F-A3BF-CDBCBC1B21DE}"/>
+          </ac:spMkLst>
+        </pc:spChg>
+        <pc:spChg chg="mod">
+          <ac:chgData name="Roberto Tejero" userId="df99c9947d6af889" providerId="LiveId" clId="{E4DA1F66-D48B-4FDF-8441-406248A9223C}" dt="2021-01-10T20:23:31.136" v="242"/>
+          <ac:spMkLst>
+            <pc:docMk/>
+            <pc:sldMk cId="4095216866" sldId="2076136262"/>
+            <ac:spMk id="5" creationId="{087C93F1-B345-43F6-88F9-A852BDE767E4}"/>
+          </ac:spMkLst>
+        </pc:spChg>
+        <pc:spChg chg="mod">
+          <ac:chgData name="Roberto Tejero" userId="df99c9947d6af889" providerId="LiveId" clId="{E4DA1F66-D48B-4FDF-8441-406248A9223C}" dt="2021-01-10T20:23:39.959" v="266" actId="20577"/>
+          <ac:spMkLst>
+            <pc:docMk/>
+            <pc:sldMk cId="4095216866" sldId="2076136262"/>
+            <ac:spMk id="7" creationId="{8EF35D44-2C5B-40E9-B454-F56774A87418}"/>
+          </ac:spMkLst>
+        </pc:spChg>
+        <pc:spChg chg="mod">
+          <ac:chgData name="Roberto Tejero" userId="df99c9947d6af889" providerId="LiveId" clId="{E4DA1F66-D48B-4FDF-8441-406248A9223C}" dt="2021-01-10T20:23:59.364" v="270" actId="14100"/>
+          <ac:spMkLst>
+            <pc:docMk/>
+            <pc:sldMk cId="4095216866" sldId="2076136262"/>
+            <ac:spMk id="8" creationId="{B5A653BA-DCA7-4396-B752-FF12285E0B37}"/>
+          </ac:spMkLst>
+        </pc:spChg>
+      </pc:sldChg>
       <pc:sldChg chg="addSp delSp modSp mod">
-        <pc:chgData name="Roberto Tejero" userId="df99c9947d6af889" providerId="LiveId" clId="{E4DA1F66-D48B-4FDF-8441-406248A9223C}" dt="2021-01-10T15:46:14.750" v="205" actId="14100"/>
+        <pc:chgData name="Roberto Tejero" userId="df99c9947d6af889" providerId="LiveId" clId="{E4DA1F66-D48B-4FDF-8441-406248A9223C}" dt="2021-01-10T20:23:21.563" v="240"/>
         <pc:sldMkLst>
           <pc:docMk/>
           <pc:sldMk cId="2903834351" sldId="2076136263"/>
@@ -240,7 +287,7 @@
           </ac:spMkLst>
         </pc:spChg>
         <pc:spChg chg="add del mod">
-          <ac:chgData name="Roberto Tejero" userId="df99c9947d6af889" providerId="LiveId" clId="{E4DA1F66-D48B-4FDF-8441-406248A9223C}" dt="2021-01-10T15:45:41.430" v="131" actId="20577"/>
+          <ac:chgData name="Roberto Tejero" userId="df99c9947d6af889" providerId="LiveId" clId="{E4DA1F66-D48B-4FDF-8441-406248A9223C}" dt="2021-01-10T20:23:21.563" v="240"/>
           <ac:spMkLst>
             <pc:docMk/>
             <pc:sldMk cId="2903834351" sldId="2076136263"/>
@@ -355,7 +402,7 @@
               <a:rPr lang="en-US" smtClean="0">
                 <a:latin typeface="Segoe UI" pitchFamily="34" charset="0"/>
               </a:rPr>
-              <a:t>1/10/2021 4:42 PM</a:t>
+              <a:t>1/10/2021 9:23 PM</a:t>
             </a:fld>
             <a:endParaRPr lang="en-US">
               <a:latin typeface="Segoe UI" pitchFamily="34" charset="0"/>
@@ -633,7 +680,7 @@
           <a:p>
             <a:fld id="{386CE63F-9E7F-4C04-9D0D-FCA25A8E9E86}" type="datetime8">
               <a:rPr lang="en-US" smtClean="0"/>
-              <a:t>1/10/2021 4:42 PM</a:t>
+              <a:t>1/10/2021 9:22 PM</a:t>
             </a:fld>
             <a:endParaRPr lang="en-US"/>
           </a:p>
@@ -43720,8 +43767,8 @@
         </p:nvSpPr>
         <p:spPr>
           <a:xfrm>
-            <a:off x="762991" y="1295467"/>
-            <a:ext cx="4075714" cy="1723549"/>
+            <a:off x="762991" y="2588129"/>
+            <a:ext cx="4075714" cy="430887"/>
           </a:xfrm>
         </p:spPr>
         <p:txBody>
@@ -43729,12 +43776,24 @@
           <a:lstStyle/>
           <a:p>
             <a:r>
+              <a:rPr lang="en-US" dirty="0"/>
+              <a:t>¿</a:t>
+            </a:r>
+            <a:r>
               <a:rPr lang="en-US" dirty="0" err="1"/>
-              <a:t>MLOps</a:t>
+              <a:t>Indexas</a:t>
             </a:r>
             <a:r>
               <a:rPr lang="en-US" dirty="0"/>
-              <a:t>, configure your continuous training pipelines with Deep Learning models</a:t>
+              <a:t> o </a:t>
+            </a:r>
+            <a:r>
+              <a:rPr lang="en-US" dirty="0" err="1"/>
+              <a:t>enriqueces</a:t>
+            </a:r>
+            <a:r>
+              <a:rPr lang="en-US" dirty="0"/>
+              <a:t>?</a:t>
             </a:r>
             <a:endParaRPr lang="es-ES" dirty="0"/>
           </a:p>
@@ -43759,7 +43818,7 @@
         <p:spPr>
           <a:xfrm>
             <a:off x="762991" y="3418734"/>
-            <a:ext cx="4075714" cy="492443"/>
+            <a:ext cx="4075714" cy="738664"/>
           </a:xfrm>
         </p:spPr>
         <p:txBody>
@@ -43768,8 +43827,11 @@
           <a:p>
             <a:r>
               <a:rPr lang="es-ES" dirty="0"/>
-              <a:t>Alejandro Almeida</a:t>
+              <a:t>Paula Garcia Esteban</a:t>
             </a:r>
+          </a:p>
+          <a:p>
+            <a:endParaRPr lang="es-ES" dirty="0"/>
           </a:p>
           <a:p>
             <a:endParaRPr lang="es-ES" dirty="0"/>
@@ -43795,7 +43857,7 @@
         <p:spPr>
           <a:xfrm>
             <a:off x="762987" y="3742393"/>
-            <a:ext cx="4075714" cy="215444"/>
+            <a:ext cx="4075714" cy="430887"/>
           </a:xfrm>
         </p:spPr>
         <p:txBody>
@@ -43803,15 +43865,71 @@
           <a:lstStyle/>
           <a:p>
             <a:r>
-              <a:rPr lang="es-ES" b="0" i="0" dirty="0">
+              <a:rPr lang="es-ES" dirty="0">
                 <a:solidFill>
                   <a:srgbClr val="676A6C"/>
                 </a:solidFill>
-                <a:effectLst/>
                 <a:latin typeface="open sans" panose="020B0606030504020204" pitchFamily="34" charset="0"/>
               </a:rPr>
-              <a:t>Microsoft Azure MVP | Azure Lead at Prodware</a:t>
+              <a:t>Data </a:t>
             </a:r>
+            <a:r>
+              <a:rPr lang="es-ES" dirty="0" err="1">
+                <a:solidFill>
+                  <a:srgbClr val="676A6C"/>
+                </a:solidFill>
+                <a:latin typeface="open sans" panose="020B0606030504020204" pitchFamily="34" charset="0"/>
+              </a:rPr>
+              <a:t>Lover</a:t>
+            </a:r>
+            <a:r>
+              <a:rPr lang="es-ES" dirty="0">
+                <a:solidFill>
+                  <a:srgbClr val="676A6C"/>
+                </a:solidFill>
+                <a:latin typeface="open sans" panose="020B0606030504020204" pitchFamily="34" charset="0"/>
+              </a:rPr>
+              <a:t> &amp; </a:t>
+            </a:r>
+            <a:r>
+              <a:rPr lang="es-ES" dirty="0" err="1">
+                <a:solidFill>
+                  <a:srgbClr val="676A6C"/>
+                </a:solidFill>
+                <a:latin typeface="open sans" panose="020B0606030504020204" pitchFamily="34" charset="0"/>
+              </a:rPr>
+              <a:t>Product</a:t>
+            </a:r>
+            <a:r>
+              <a:rPr lang="es-ES" dirty="0">
+                <a:solidFill>
+                  <a:srgbClr val="676A6C"/>
+                </a:solidFill>
+                <a:latin typeface="open sans" panose="020B0606030504020204" pitchFamily="34" charset="0"/>
+              </a:rPr>
+              <a:t> </a:t>
+            </a:r>
+            <a:r>
+              <a:rPr lang="es-ES" dirty="0" err="1">
+                <a:solidFill>
+                  <a:srgbClr val="676A6C"/>
+                </a:solidFill>
+                <a:latin typeface="open sans" panose="020B0606030504020204" pitchFamily="34" charset="0"/>
+              </a:rPr>
+              <a:t>Strategy</a:t>
+            </a:r>
+            <a:r>
+              <a:rPr lang="es-ES" dirty="0">
+                <a:solidFill>
+                  <a:srgbClr val="676A6C"/>
+                </a:solidFill>
+                <a:latin typeface="open sans" panose="020B0606030504020204" pitchFamily="34" charset="0"/>
+              </a:rPr>
+              <a:t> Manager @SolidQ</a:t>
+            </a:r>
+            <a:endParaRPr lang="es-ES" dirty="0"/>
+          </a:p>
+          <a:p>
             <a:endParaRPr lang="es-ES" dirty="0"/>
           </a:p>
         </p:txBody>
@@ -43844,7 +43962,7 @@
           <a:p>
             <a:r>
               <a:rPr lang="es-ES" dirty="0"/>
-              <a:t>Alexander González</a:t>
+              <a:t>Guillermo Perez</a:t>
             </a:r>
           </a:p>
         </p:txBody>
@@ -43868,7 +43986,7 @@
         <p:spPr>
           <a:xfrm>
             <a:off x="762987" y="4547082"/>
-            <a:ext cx="4075714" cy="215444"/>
+            <a:ext cx="4592784" cy="430887"/>
           </a:xfrm>
         </p:spPr>
         <p:txBody>
@@ -43877,29 +43995,16 @@
           <a:p>
             <a:r>
               <a:rPr lang="es-ES" dirty="0"/>
-              <a:t>Microsoft AI MVP | </a:t>
+              <a:t>DATA &amp; AI Technical Lead @ Verne </a:t>
             </a:r>
             <a:r>
               <a:rPr lang="es-ES" dirty="0" err="1"/>
-              <a:t>Engineer</a:t>
+              <a:t>Technology</a:t>
             </a:r>
             <a:r>
               <a:rPr lang="es-ES" dirty="0"/>
-              <a:t> at </a:t>
+              <a:t> Group</a:t>
             </a:r>
-            <a:r>
-              <a:rPr lang="es-ES" dirty="0" err="1"/>
-              <a:t>Plain</a:t>
-            </a:r>
-            <a:r>
-              <a:rPr lang="es-ES" dirty="0"/>
-              <a:t> </a:t>
-            </a:r>
-            <a:r>
-              <a:rPr lang="es-ES" dirty="0" err="1"/>
-              <a:t>Concepts</a:t>
-            </a:r>
-            <a:endParaRPr lang="es-ES" dirty="0"/>
           </a:p>
         </p:txBody>
       </p:sp>
@@ -45365,77 +45470,6 @@
 </file>
 
 <file path=customXml/item1.xml><?xml version="1.0" encoding="utf-8"?>
-<p:properties xmlns:p="http://schemas.microsoft.com/office/2006/metadata/properties" xmlns:xsi="http://www.w3.org/2001/XMLSchema-instance" xmlns:pc="http://schemas.microsoft.com/office/infopath/2007/PartnerControls">
-  <documentManagement>
-    <_ip_UnifiedCompliancePolicyUIAction xmlns="http://schemas.microsoft.com/sharepoint/v3" xsi:nil="true"/>
-    <_ip_UnifiedCompliancePolicyProperties xmlns="http://schemas.microsoft.com/sharepoint/v3" xsi:nil="true"/>
-    <MediaServiceKeyPoints xmlns="9d1f81f6-e953-47ea-988e-33ed651c58e6" xsi:nil="true"/>
-    <External_x0020_Speaker xmlns="5a4b3278-325d-441a-b38f-6f1926bc734e" xsi:nil="true"/>
-    <j478fa01fff54a9d85f93cc1f742caa8 xmlns="5a4b3278-325d-441a-b38f-6f1926bc734e">
-      <Terms xmlns="http://schemas.microsoft.com/office/infopath/2007/PartnerControls"/>
-    </j478fa01fff54a9d85f93cc1f742caa8>
-    <Event_x0020_End_x0020_Date xmlns="5a4b3278-325d-441a-b38f-6f1926bc734e" xsi:nil="true"/>
-    <LikesCount xmlns="http://schemas.microsoft.com/sharepoint/v3" xsi:nil="true"/>
-    <MS_x0020_Speaker xmlns="5a4b3278-325d-441a-b38f-6f1926bc734e">
-      <UserInfo>
-        <DisplayName/>
-        <AccountId xsi:nil="true"/>
-        <AccountType/>
-      </UserInfo>
-    </MS_x0020_Speaker>
-    <o33121adfc264c7dbcad13be7db3ea4b xmlns="5a4b3278-325d-441a-b38f-6f1926bc734e">
-      <Terms xmlns="http://schemas.microsoft.com/office/infopath/2007/PartnerControls"/>
-    </o33121adfc264c7dbcad13be7db3ea4b>
-    <Session_x0020_Code xmlns="5a4b3278-325d-441a-b38f-6f1926bc734e" xsi:nil="true"/>
-    <Presentation_x0020_Date xmlns="5a4b3278-325d-441a-b38f-6f1926bc734e" xsi:nil="true"/>
-    <ba5aa7e3a41a404e868a451481761228 xmlns="5a4b3278-325d-441a-b38f-6f1926bc734e">
-      <Terms xmlns="http://schemas.microsoft.com/office/infopath/2007/PartnerControls"/>
-    </ba5aa7e3a41a404e868a451481761228>
-    <n26c0b7259a14f82a9880173edc4cb73 xmlns="5a4b3278-325d-441a-b38f-6f1926bc734e">
-      <Terms xmlns="http://schemas.microsoft.com/office/infopath/2007/PartnerControls"/>
-    </n26c0b7259a14f82a9880173edc4cb73>
-    <c4b02e5b2c48420dbed84c0f2f02e9a3 xmlns="5a4b3278-325d-441a-b38f-6f1926bc734e">
-      <Terms xmlns="http://schemas.microsoft.com/office/infopath/2007/PartnerControls"/>
-    </c4b02e5b2c48420dbed84c0f2f02e9a3>
-    <Event_x0020_Start_x0020_Date xmlns="5a4b3278-325d-441a-b38f-6f1926bc734e" xsi:nil="true"/>
-    <MS_x0020_Content_x0020_Owner xmlns="5a4b3278-325d-441a-b38f-6f1926bc734e">
-      <UserInfo>
-        <DisplayName/>
-        <AccountId xsi:nil="true"/>
-        <AccountType/>
-      </UserInfo>
-    </MS_x0020_Content_x0020_Owner>
-    <TaxKeywordTaxHTField xmlns="230e9df3-be65-4c73-a93b-d1236ebd677e">
-      <Terms xmlns="http://schemas.microsoft.com/office/infopath/2007/PartnerControls">
-        <TermInfo xmlns="http://schemas.microsoft.com/office/infopath/2007/PartnerControls">
-          <TermName xmlns="http://schemas.microsoft.com/office/infopath/2007/PartnerControls">Microsoft Ignite The Tour FY20</TermName>
-          <TermId xmlns="http://schemas.microsoft.com/office/infopath/2007/PartnerControls">92cd8354-19e0-47e3-879f-674e86e0d77f</TermId>
-        </TermInfo>
-      </Terms>
-    </TaxKeywordTaxHTField>
-    <j129f3114929433a812312450a84994c xmlns="5a4b3278-325d-441a-b38f-6f1926bc734e">
-      <Terms xmlns="http://schemas.microsoft.com/office/infopath/2007/PartnerControls"/>
-    </j129f3114929433a812312450a84994c>
-    <TaxCatchAll xmlns="230e9df3-be65-4c73-a93b-d1236ebd677e">
-      <Value>251</Value>
-    </TaxCatchAll>
-    <e1750f71052543bd8c4d7217e9f56da0 xmlns="5a4b3278-325d-441a-b38f-6f1926bc734e">
-      <Terms xmlns="http://schemas.microsoft.com/office/infopath/2007/PartnerControls"/>
-    </e1750f71052543bd8c4d7217e9f56da0>
-  </documentManagement>
-</p:properties>
-</file>
-
-<file path=customXml/item2.xml><?xml version="1.0" encoding="utf-8"?>
-<?mso-contentType ?>
-<FormTemplates xmlns="http://schemas.microsoft.com/sharepoint/v3/contenttype/forms">
-  <Display>DocumentLibraryForm</Display>
-  <Edit>DocumentLibraryForm</Edit>
-  <New>DocumentLibraryForm</New>
-</FormTemplates>
-</file>
-
-<file path=customXml/item3.xml><?xml version="1.0" encoding="utf-8"?>
 <ct:contentTypeSchema xmlns:ct="http://schemas.microsoft.com/office/2006/metadata/contentType" xmlns:ma="http://schemas.microsoft.com/office/2006/metadata/properties/metaAttributes" ct:_="" ma:_="" ma:contentTypeName="PresentationsDoc" ma:contentTypeID="0x010100606EF5350B4AC34299E527B9221D6B5E001A2DF7EB5935C14F830206357EC2322C" ma:contentTypeVersion="34" ma:contentTypeDescription="" ma:contentTypeScope="" ma:versionID="b48d6a27735be7714bdd88c81c28b068">
   <xsd:schema xmlns:xsd="http://www.w3.org/2001/XMLSchema" xmlns:xs="http://www.w3.org/2001/XMLSchema" xmlns:p="http://schemas.microsoft.com/office/2006/metadata/properties" xmlns:ns1="http://schemas.microsoft.com/sharepoint/v3" xmlns:ns2="5a4b3278-325d-441a-b38f-6f1926bc734e" xmlns:ns3="230e9df3-be65-4c73-a93b-d1236ebd677e" xmlns:ns5="9d1f81f6-e953-47ea-988e-33ed651c58e6" targetNamespace="http://schemas.microsoft.com/office/2006/metadata/properties" ma:root="true" ma:fieldsID="61aa76b7b235bae3242d4a7e9080af88" ns1:_="" ns2:_="" ns3:_="" ns5:_="">
     <xsd:import namespace="http://schemas.microsoft.com/sharepoint/v3"/>
@@ -45856,7 +45890,107 @@
 </ct:contentTypeSchema>
 </file>
 
+<file path=customXml/item2.xml><?xml version="1.0" encoding="utf-8"?>
+<?mso-contentType ?>
+<FormTemplates xmlns="http://schemas.microsoft.com/sharepoint/v3/contenttype/forms">
+  <Display>DocumentLibraryForm</Display>
+  <Edit>DocumentLibraryForm</Edit>
+  <New>DocumentLibraryForm</New>
+</FormTemplates>
+</file>
+
+<file path=customXml/item3.xml><?xml version="1.0" encoding="utf-8"?>
+<p:properties xmlns:p="http://schemas.microsoft.com/office/2006/metadata/properties" xmlns:xsi="http://www.w3.org/2001/XMLSchema-instance" xmlns:pc="http://schemas.microsoft.com/office/infopath/2007/PartnerControls">
+  <documentManagement>
+    <_ip_UnifiedCompliancePolicyUIAction xmlns="http://schemas.microsoft.com/sharepoint/v3" xsi:nil="true"/>
+    <_ip_UnifiedCompliancePolicyProperties xmlns="http://schemas.microsoft.com/sharepoint/v3" xsi:nil="true"/>
+    <MediaServiceKeyPoints xmlns="9d1f81f6-e953-47ea-988e-33ed651c58e6" xsi:nil="true"/>
+    <External_x0020_Speaker xmlns="5a4b3278-325d-441a-b38f-6f1926bc734e" xsi:nil="true"/>
+    <j478fa01fff54a9d85f93cc1f742caa8 xmlns="5a4b3278-325d-441a-b38f-6f1926bc734e">
+      <Terms xmlns="http://schemas.microsoft.com/office/infopath/2007/PartnerControls"/>
+    </j478fa01fff54a9d85f93cc1f742caa8>
+    <Event_x0020_End_x0020_Date xmlns="5a4b3278-325d-441a-b38f-6f1926bc734e" xsi:nil="true"/>
+    <LikesCount xmlns="http://schemas.microsoft.com/sharepoint/v3" xsi:nil="true"/>
+    <MS_x0020_Speaker xmlns="5a4b3278-325d-441a-b38f-6f1926bc734e">
+      <UserInfo>
+        <DisplayName/>
+        <AccountId xsi:nil="true"/>
+        <AccountType/>
+      </UserInfo>
+    </MS_x0020_Speaker>
+    <o33121adfc264c7dbcad13be7db3ea4b xmlns="5a4b3278-325d-441a-b38f-6f1926bc734e">
+      <Terms xmlns="http://schemas.microsoft.com/office/infopath/2007/PartnerControls"/>
+    </o33121adfc264c7dbcad13be7db3ea4b>
+    <Session_x0020_Code xmlns="5a4b3278-325d-441a-b38f-6f1926bc734e" xsi:nil="true"/>
+    <Presentation_x0020_Date xmlns="5a4b3278-325d-441a-b38f-6f1926bc734e" xsi:nil="true"/>
+    <ba5aa7e3a41a404e868a451481761228 xmlns="5a4b3278-325d-441a-b38f-6f1926bc734e">
+      <Terms xmlns="http://schemas.microsoft.com/office/infopath/2007/PartnerControls"/>
+    </ba5aa7e3a41a404e868a451481761228>
+    <n26c0b7259a14f82a9880173edc4cb73 xmlns="5a4b3278-325d-441a-b38f-6f1926bc734e">
+      <Terms xmlns="http://schemas.microsoft.com/office/infopath/2007/PartnerControls"/>
+    </n26c0b7259a14f82a9880173edc4cb73>
+    <c4b02e5b2c48420dbed84c0f2f02e9a3 xmlns="5a4b3278-325d-441a-b38f-6f1926bc734e">
+      <Terms xmlns="http://schemas.microsoft.com/office/infopath/2007/PartnerControls"/>
+    </c4b02e5b2c48420dbed84c0f2f02e9a3>
+    <Event_x0020_Start_x0020_Date xmlns="5a4b3278-325d-441a-b38f-6f1926bc734e" xsi:nil="true"/>
+    <MS_x0020_Content_x0020_Owner xmlns="5a4b3278-325d-441a-b38f-6f1926bc734e">
+      <UserInfo>
+        <DisplayName/>
+        <AccountId xsi:nil="true"/>
+        <AccountType/>
+      </UserInfo>
+    </MS_x0020_Content_x0020_Owner>
+    <TaxKeywordTaxHTField xmlns="230e9df3-be65-4c73-a93b-d1236ebd677e">
+      <Terms xmlns="http://schemas.microsoft.com/office/infopath/2007/PartnerControls">
+        <TermInfo xmlns="http://schemas.microsoft.com/office/infopath/2007/PartnerControls">
+          <TermName xmlns="http://schemas.microsoft.com/office/infopath/2007/PartnerControls">Microsoft Ignite The Tour FY20</TermName>
+          <TermId xmlns="http://schemas.microsoft.com/office/infopath/2007/PartnerControls">92cd8354-19e0-47e3-879f-674e86e0d77f</TermId>
+        </TermInfo>
+      </Terms>
+    </TaxKeywordTaxHTField>
+    <j129f3114929433a812312450a84994c xmlns="5a4b3278-325d-441a-b38f-6f1926bc734e">
+      <Terms xmlns="http://schemas.microsoft.com/office/infopath/2007/PartnerControls"/>
+    </j129f3114929433a812312450a84994c>
+    <TaxCatchAll xmlns="230e9df3-be65-4c73-a93b-d1236ebd677e">
+      <Value>251</Value>
+    </TaxCatchAll>
+    <e1750f71052543bd8c4d7217e9f56da0 xmlns="5a4b3278-325d-441a-b38f-6f1926bc734e">
+      <Terms xmlns="http://schemas.microsoft.com/office/infopath/2007/PartnerControls"/>
+    </e1750f71052543bd8c4d7217e9f56da0>
+  </documentManagement>
+</p:properties>
+</file>
+
 <file path=customXml/itemProps1.xml><?xml version="1.0" encoding="utf-8"?>
+<ds:datastoreItem xmlns:ds="http://schemas.openxmlformats.org/officeDocument/2006/customXml" ds:itemID="{625FD152-D4B9-485B-9213-BB78FF8ABCB4}">
+  <ds:schemaRefs>
+    <ds:schemaRef ds:uri="http://schemas.microsoft.com/office/2006/metadata/contentType"/>
+    <ds:schemaRef ds:uri="http://schemas.microsoft.com/office/2006/metadata/properties/metaAttributes"/>
+    <ds:schemaRef ds:uri="http://www.w3.org/2001/XMLSchema"/>
+    <ds:schemaRef ds:uri="http://schemas.microsoft.com/office/2006/metadata/properties"/>
+    <ds:schemaRef ds:uri="http://schemas.microsoft.com/sharepoint/v3"/>
+    <ds:schemaRef ds:uri="5a4b3278-325d-441a-b38f-6f1926bc734e"/>
+    <ds:schemaRef ds:uri="230e9df3-be65-4c73-a93b-d1236ebd677e"/>
+    <ds:schemaRef ds:uri="9d1f81f6-e953-47ea-988e-33ed651c58e6"/>
+    <ds:schemaRef ds:uri="http://schemas.microsoft.com/office/2006/documentManagement/types"/>
+    <ds:schemaRef ds:uri="http://schemas.microsoft.com/office/infopath/2007/PartnerControls"/>
+    <ds:schemaRef ds:uri="http://schemas.openxmlformats.org/package/2006/metadata/core-properties"/>
+    <ds:schemaRef ds:uri="http://purl.org/dc/elements/1.1/"/>
+    <ds:schemaRef ds:uri="http://purl.org/dc/terms/"/>
+    <ds:schemaRef ds:uri="http://schemas.microsoft.com/internal/obd"/>
+  </ds:schemaRefs>
+</ds:datastoreItem>
+</file>
+
+<file path=customXml/itemProps2.xml><?xml version="1.0" encoding="utf-8"?>
+<ds:datastoreItem xmlns:ds="http://schemas.openxmlformats.org/officeDocument/2006/customXml" ds:itemID="{758FDAC0-319D-4A54-8D8E-1D42CB1F8004}">
+  <ds:schemaRefs>
+    <ds:schemaRef ds:uri="http://schemas.microsoft.com/sharepoint/v3/contenttype/forms"/>
+  </ds:schemaRefs>
+</ds:datastoreItem>
+</file>
+
+<file path=customXml/itemProps3.xml><?xml version="1.0" encoding="utf-8"?>
 <ds:datastoreItem xmlns:ds="http://schemas.openxmlformats.org/officeDocument/2006/customXml" ds:itemID="{F990F116-B58F-4255-B05B-DA3808E0E5C6}">
   <ds:schemaRefs>
     <ds:schemaRef ds:uri="12239fb0-26c0-4a37-b790-6c81fba9d0fc"/>
@@ -45875,33 +46009,4 @@
     <ds:schemaRef ds:uri="230e9df3-be65-4c73-a93b-d1236ebd677e"/>
   </ds:schemaRefs>
 </ds:datastoreItem>
-</file>
-
-<file path=customXml/itemProps2.xml><?xml version="1.0" encoding="utf-8"?>
-<ds:datastoreItem xmlns:ds="http://schemas.openxmlformats.org/officeDocument/2006/customXml" ds:itemID="{758FDAC0-319D-4A54-8D8E-1D42CB1F8004}">
-  <ds:schemaRefs>
-    <ds:schemaRef ds:uri="http://schemas.microsoft.com/sharepoint/v3/contenttype/forms"/>
-  </ds:schemaRefs>
-</ds:datastoreItem>
-</file>
-
-<file path=customXml/itemProps3.xml><?xml version="1.0" encoding="utf-8"?>
-<ds:datastoreItem xmlns:ds="http://schemas.openxmlformats.org/officeDocument/2006/customXml" ds:itemID="{625FD152-D4B9-485B-9213-BB78FF8ABCB4}">
-  <ds:schemaRefs>
-    <ds:schemaRef ds:uri="http://schemas.microsoft.com/office/2006/metadata/contentType"/>
-    <ds:schemaRef ds:uri="http://schemas.microsoft.com/office/2006/metadata/properties/metaAttributes"/>
-    <ds:schemaRef ds:uri="http://www.w3.org/2001/XMLSchema"/>
-    <ds:schemaRef ds:uri="http://schemas.microsoft.com/office/2006/metadata/properties"/>
-    <ds:schemaRef ds:uri="http://schemas.microsoft.com/sharepoint/v3"/>
-    <ds:schemaRef ds:uri="5a4b3278-325d-441a-b38f-6f1926bc734e"/>
-    <ds:schemaRef ds:uri="230e9df3-be65-4c73-a93b-d1236ebd677e"/>
-    <ds:schemaRef ds:uri="9d1f81f6-e953-47ea-988e-33ed651c58e6"/>
-    <ds:schemaRef ds:uri="http://schemas.microsoft.com/office/2006/documentManagement/types"/>
-    <ds:schemaRef ds:uri="http://schemas.microsoft.com/office/infopath/2007/PartnerControls"/>
-    <ds:schemaRef ds:uri="http://schemas.openxmlformats.org/package/2006/metadata/core-properties"/>
-    <ds:schemaRef ds:uri="http://purl.org/dc/elements/1.1/"/>
-    <ds:schemaRef ds:uri="http://purl.org/dc/terms/"/>
-    <ds:schemaRef ds:uri="http://schemas.microsoft.com/internal/obd"/>
-  </ds:schemaRefs>
-</ds:datastoreItem>
 </file>
--- a/PPT/19 indexas o enriqueces.pptx
+++ b/PPT/19 indexas o enriqueces.pptx
@@ -402,7 +402,7 @@
               <a:rPr lang="en-US" smtClean="0">
                 <a:latin typeface="Segoe UI" pitchFamily="34" charset="0"/>
               </a:rPr>
-              <a:t>1/10/2021 9:23 PM</a:t>
+              <a:t>1/11/2021 10:20 AM</a:t>
             </a:fld>
             <a:endParaRPr lang="en-US">
               <a:latin typeface="Segoe UI" pitchFamily="34" charset="0"/>
@@ -491,7 +491,7 @@
               <a:rPr lang="en-US" smtClean="0">
                 <a:latin typeface="Segoe UI" pitchFamily="34" charset="0"/>
               </a:rPr>
-              <a:t>‹#›</a:t>
+              <a:t>‹Nº›</a:t>
             </a:fld>
             <a:endParaRPr lang="en-US">
               <a:latin typeface="Segoe UI" pitchFamily="34" charset="0"/>
@@ -680,7 +680,7 @@
           <a:p>
             <a:fld id="{386CE63F-9E7F-4C04-9D0D-FCA25A8E9E86}" type="datetime8">
               <a:rPr lang="en-US" smtClean="0"/>
-              <a:t>1/10/2021 9:22 PM</a:t>
+              <a:t>1/11/2021 10:19 AM</a:t>
             </a:fld>
             <a:endParaRPr lang="en-US"/>
           </a:p>
@@ -777,7 +777,7 @@
             <a:fld id="{B4008EB6-D09E-4580-8CD6-DDB14511944F}" type="slidenum">
               <a:rPr lang="en-US" smtClean="0"/>
               <a:pPr/>
-              <a:t>‹#›</a:t>
+              <a:t>‹Nº›</a:t>
             </a:fld>
             <a:endParaRPr lang="en-US"/>
           </a:p>
@@ -1550,66 +1550,6 @@
           </a:p>
         </p:txBody>
       </p:sp>
-      <p:pic>
-        <p:nvPicPr>
-          <p:cNvPr id="5" name="Imagen 4">
-            <a:extLst>
-              <a:ext uri="{FF2B5EF4-FFF2-40B4-BE49-F238E27FC236}">
-                <a16:creationId xmlns:a16="http://schemas.microsoft.com/office/drawing/2014/main" id="{E7846672-14B7-4DA0-BE43-CF16928D38A3}"/>
-              </a:ext>
-            </a:extLst>
-          </p:cNvPr>
-          <p:cNvPicPr>
-            <a:picLocks noChangeAspect="1"/>
-          </p:cNvPicPr>
-          <p:nvPr userDrawn="1"/>
-        </p:nvPicPr>
-        <p:blipFill>
-          <a:blip r:embed="rId2"/>
-          <a:stretch>
-            <a:fillRect/>
-          </a:stretch>
-        </p:blipFill>
-        <p:spPr>
-          <a:xfrm>
-            <a:off x="6038054" y="5126102"/>
-            <a:ext cx="2243624" cy="690346"/>
-          </a:xfrm>
-          <a:prstGeom prst="rect">
-            <a:avLst/>
-          </a:prstGeom>
-        </p:spPr>
-      </p:pic>
-      <p:pic>
-        <p:nvPicPr>
-          <p:cNvPr id="23" name="Imagen 22">
-            <a:extLst>
-              <a:ext uri="{FF2B5EF4-FFF2-40B4-BE49-F238E27FC236}">
-                <a16:creationId xmlns:a16="http://schemas.microsoft.com/office/drawing/2014/main" id="{62792325-A6A2-4C4C-A58F-0C4A98B04D25}"/>
-              </a:ext>
-            </a:extLst>
-          </p:cNvPr>
-          <p:cNvPicPr>
-            <a:picLocks noChangeAspect="1"/>
-          </p:cNvPicPr>
-          <p:nvPr userDrawn="1"/>
-        </p:nvPicPr>
-        <p:blipFill>
-          <a:blip r:embed="rId3"/>
-          <a:stretch>
-            <a:fillRect/>
-          </a:stretch>
-        </p:blipFill>
-        <p:spPr>
-          <a:xfrm>
-            <a:off x="8539558" y="5733198"/>
-            <a:ext cx="1582743" cy="586201"/>
-          </a:xfrm>
-          <a:prstGeom prst="rect">
-            <a:avLst/>
-          </a:prstGeom>
-        </p:spPr>
-      </p:pic>
       <p:graphicFrame>
         <p:nvGraphicFramePr>
           <p:cNvPr id="28" name="Objeto 27">
@@ -1638,12 +1578,12 @@
           <a:graphicData uri="http://schemas.openxmlformats.org/presentationml/2006/ole">
             <mc:AlternateContent xmlns:mc="http://schemas.openxmlformats.org/markup-compatibility/2006">
               <mc:Choice xmlns:v="urn:schemas-microsoft-com:vml" Requires="v">
-                <p:oleObj name="CorelDRAW" r:id="rId4" imgW="10437565" imgH="1396161" progId="CorelDraw.Graphic.21">
+                <p:oleObj name="CorelDRAW" r:id="rId2" imgW="10437565" imgH="1396161" progId="CorelDraw.Graphic.21">
                   <p:embed/>
                 </p:oleObj>
               </mc:Choice>
               <mc:Fallback>
-                <p:oleObj name="CorelDRAW" r:id="rId4" imgW="10437565" imgH="1396161" progId="CorelDraw.Graphic.21">
+                <p:oleObj name="CorelDRAW" r:id="rId2" imgW="10437565" imgH="1396161" progId="CorelDraw.Graphic.21">
                   <p:embed/>
                   <p:pic>
                     <p:nvPicPr>
@@ -1658,7 +1598,7 @@
                       <p:nvPr/>
                     </p:nvPicPr>
                     <p:blipFill>
-                      <a:blip r:embed="rId5"/>
+                      <a:blip r:embed="rId3"/>
                       <a:stretch>
                         <a:fillRect/>
                       </a:stretch>
@@ -1679,126 +1619,6 @@
           </a:graphicData>
         </a:graphic>
       </p:graphicFrame>
-      <p:pic>
-        <p:nvPicPr>
-          <p:cNvPr id="22" name="Imagen 21">
-            <a:extLst>
-              <a:ext uri="{FF2B5EF4-FFF2-40B4-BE49-F238E27FC236}">
-                <a16:creationId xmlns:a16="http://schemas.microsoft.com/office/drawing/2014/main" id="{EB90AF3C-936D-4D44-BFFA-A635C3D9EC15}"/>
-              </a:ext>
-            </a:extLst>
-          </p:cNvPr>
-          <p:cNvPicPr>
-            <a:picLocks noChangeAspect="1"/>
-          </p:cNvPicPr>
-          <p:nvPr userDrawn="1"/>
-        </p:nvPicPr>
-        <p:blipFill>
-          <a:blip r:embed="rId6"/>
-          <a:stretch>
-            <a:fillRect/>
-          </a:stretch>
-        </p:blipFill>
-        <p:spPr>
-          <a:xfrm>
-            <a:off x="1494915" y="5537785"/>
-            <a:ext cx="2015855" cy="620263"/>
-          </a:xfrm>
-          <a:prstGeom prst="rect">
-            <a:avLst/>
-          </a:prstGeom>
-        </p:spPr>
-      </p:pic>
-      <p:pic>
-        <p:nvPicPr>
-          <p:cNvPr id="24" name="Imagen 23">
-            <a:extLst>
-              <a:ext uri="{FF2B5EF4-FFF2-40B4-BE49-F238E27FC236}">
-                <a16:creationId xmlns:a16="http://schemas.microsoft.com/office/drawing/2014/main" id="{9A581694-116D-4273-8957-E6C28A72B8B6}"/>
-              </a:ext>
-            </a:extLst>
-          </p:cNvPr>
-          <p:cNvPicPr>
-            <a:picLocks noChangeAspect="1"/>
-          </p:cNvPicPr>
-          <p:nvPr userDrawn="1"/>
-        </p:nvPicPr>
-        <p:blipFill>
-          <a:blip r:embed="rId7"/>
-          <a:stretch>
-            <a:fillRect/>
-          </a:stretch>
-        </p:blipFill>
-        <p:spPr>
-          <a:xfrm>
-            <a:off x="3816249" y="5203641"/>
-            <a:ext cx="2144054" cy="560669"/>
-          </a:xfrm>
-          <a:prstGeom prst="rect">
-            <a:avLst/>
-          </a:prstGeom>
-        </p:spPr>
-      </p:pic>
-      <p:pic>
-        <p:nvPicPr>
-          <p:cNvPr id="26" name="Imagen 25">
-            <a:extLst>
-              <a:ext uri="{FF2B5EF4-FFF2-40B4-BE49-F238E27FC236}">
-                <a16:creationId xmlns:a16="http://schemas.microsoft.com/office/drawing/2014/main" id="{5E015451-231A-4C28-BCF7-34141037A2EC}"/>
-              </a:ext>
-            </a:extLst>
-          </p:cNvPr>
-          <p:cNvPicPr>
-            <a:picLocks noChangeAspect="1"/>
-          </p:cNvPicPr>
-          <p:nvPr userDrawn="1"/>
-        </p:nvPicPr>
-        <p:blipFill>
-          <a:blip r:embed="rId8"/>
-          <a:stretch>
-            <a:fillRect/>
-          </a:stretch>
-        </p:blipFill>
-        <p:spPr>
-          <a:xfrm>
-            <a:off x="3860320" y="5847917"/>
-            <a:ext cx="1905154" cy="586201"/>
-          </a:xfrm>
-          <a:prstGeom prst="rect">
-            <a:avLst/>
-          </a:prstGeom>
-        </p:spPr>
-      </p:pic>
-      <p:pic>
-        <p:nvPicPr>
-          <p:cNvPr id="33" name="Imagen 32">
-            <a:extLst>
-              <a:ext uri="{FF2B5EF4-FFF2-40B4-BE49-F238E27FC236}">
-                <a16:creationId xmlns:a16="http://schemas.microsoft.com/office/drawing/2014/main" id="{13444165-BAE5-4873-BF7F-7492191AA9F3}"/>
-              </a:ext>
-            </a:extLst>
-          </p:cNvPr>
-          <p:cNvPicPr>
-            <a:picLocks noChangeAspect="1"/>
-          </p:cNvPicPr>
-          <p:nvPr userDrawn="1"/>
-        </p:nvPicPr>
-        <p:blipFill>
-          <a:blip r:embed="rId9"/>
-          <a:stretch>
-            <a:fillRect/>
-          </a:stretch>
-        </p:blipFill>
-        <p:spPr>
-          <a:xfrm>
-            <a:off x="6259691" y="5936432"/>
-            <a:ext cx="1800350" cy="409170"/>
-          </a:xfrm>
-          <a:prstGeom prst="rect">
-            <a:avLst/>
-          </a:prstGeom>
-        </p:spPr>
-      </p:pic>
       <p:sp>
         <p:nvSpPr>
           <p:cNvPr id="47" name="Title 1">
@@ -2077,12 +1897,12 @@
           <a:graphicData uri="http://schemas.openxmlformats.org/presentationml/2006/ole">
             <mc:AlternateContent xmlns:mc="http://schemas.openxmlformats.org/markup-compatibility/2006">
               <mc:Choice xmlns:v="urn:schemas-microsoft-com:vml" Requires="v">
-                <p:oleObj name="CorelDRAW" r:id="rId10" imgW="1486020" imgH="1396161" progId="CorelDraw.Graphic.21">
+                <p:oleObj name="CorelDRAW" r:id="rId4" imgW="1486020" imgH="1396161" progId="CorelDraw.Graphic.21">
                   <p:embed/>
                 </p:oleObj>
               </mc:Choice>
               <mc:Fallback>
-                <p:oleObj name="CorelDRAW" r:id="rId10" imgW="1486020" imgH="1396161" progId="CorelDraw.Graphic.21">
+                <p:oleObj name="CorelDRAW" r:id="rId4" imgW="1486020" imgH="1396161" progId="CorelDraw.Graphic.21">
                   <p:embed/>
                   <p:pic>
                     <p:nvPicPr>
@@ -2097,7 +1917,7 @@
                       <p:nvPr/>
                     </p:nvPicPr>
                     <p:blipFill>
-                      <a:blip r:embed="rId11"/>
+                      <a:blip r:embed="rId5"/>
                       <a:stretch>
                         <a:fillRect/>
                       </a:stretch>
@@ -2146,12 +1966,12 @@
           <a:graphicData uri="http://schemas.openxmlformats.org/presentationml/2006/ole">
             <mc:AlternateContent xmlns:mc="http://schemas.openxmlformats.org/markup-compatibility/2006">
               <mc:Choice xmlns:v="urn:schemas-microsoft-com:vml" Requires="v">
-                <p:oleObj name="CorelDRAW" r:id="rId12" imgW="3857236" imgH="777027" progId="CorelDraw.Graphic.21">
+                <p:oleObj name="CorelDRAW" r:id="rId6" imgW="3857236" imgH="777027" progId="CorelDraw.Graphic.21">
                   <p:embed/>
                 </p:oleObj>
               </mc:Choice>
               <mc:Fallback>
-                <p:oleObj name="CorelDRAW" r:id="rId12" imgW="3857236" imgH="777027" progId="CorelDraw.Graphic.21">
+                <p:oleObj name="CorelDRAW" r:id="rId6" imgW="3857236" imgH="777027" progId="CorelDraw.Graphic.21">
                   <p:embed/>
                   <p:pic>
                     <p:nvPicPr>
@@ -2166,7 +1986,7 @@
                       <p:nvPr/>
                     </p:nvPicPr>
                     <p:blipFill>
-                      <a:blip r:embed="rId13"/>
+                      <a:blip r:embed="rId7"/>
                       <a:stretch>
                         <a:fillRect/>
                       </a:stretch>
@@ -2187,36 +2007,6 @@
           </a:graphicData>
         </a:graphic>
       </p:graphicFrame>
-      <p:pic>
-        <p:nvPicPr>
-          <p:cNvPr id="27" name="Imagen 26">
-            <a:extLst>
-              <a:ext uri="{FF2B5EF4-FFF2-40B4-BE49-F238E27FC236}">
-                <a16:creationId xmlns:a16="http://schemas.microsoft.com/office/drawing/2014/main" id="{803DF735-4E65-4EFC-9618-7D089AF1CF0C}"/>
-              </a:ext>
-            </a:extLst>
-          </p:cNvPr>
-          <p:cNvPicPr>
-            <a:picLocks noChangeAspect="1"/>
-          </p:cNvPicPr>
-          <p:nvPr userDrawn="1"/>
-        </p:nvPicPr>
-        <p:blipFill>
-          <a:blip r:embed="rId14"/>
-          <a:stretch>
-            <a:fillRect/>
-          </a:stretch>
-        </p:blipFill>
-        <p:spPr>
-          <a:xfrm>
-            <a:off x="8411164" y="5047695"/>
-            <a:ext cx="1839530" cy="567666"/>
-          </a:xfrm>
-          <a:prstGeom prst="rect">
-            <a:avLst/>
-          </a:prstGeom>
-        </p:spPr>
-      </p:pic>
       <p:sp>
         <p:nvSpPr>
           <p:cNvPr id="32" name="Title 1">
@@ -2307,10 +2097,10 @@
           <p:nvPr userDrawn="1"/>
         </p:nvPicPr>
         <p:blipFill>
-          <a:blip r:embed="rId15">
+          <a:blip r:embed="rId8">
             <a:extLst>
               <a:ext uri="{96DAC541-7B7A-43D3-8B79-37D633B846F1}">
-                <asvg:svgBlip xmlns:asvg="http://schemas.microsoft.com/office/drawing/2016/SVG/main" r:embed="rId16"/>
+                <asvg:svgBlip xmlns:asvg="http://schemas.microsoft.com/office/drawing/2016/SVG/main" r:embed="rId9"/>
               </a:ext>
             </a:extLst>
           </a:blip>
@@ -2407,10 +2197,10 @@
           <p:nvPr userDrawn="1"/>
         </p:nvPicPr>
         <p:blipFill>
-          <a:blip r:embed="rId17">
+          <a:blip r:embed="rId10">
             <a:extLst>
               <a:ext uri="{96DAC541-7B7A-43D3-8B79-37D633B846F1}">
-                <asvg:svgBlip xmlns:asvg="http://schemas.microsoft.com/office/drawing/2016/SVG/main" r:embed="rId18"/>
+                <asvg:svgBlip xmlns:asvg="http://schemas.microsoft.com/office/drawing/2016/SVG/main" r:embed="rId11"/>
               </a:ext>
             </a:extLst>
           </a:blip>
@@ -2422,6 +2212,246 @@
           <a:xfrm>
             <a:off x="5501889" y="2377869"/>
             <a:ext cx="1851408" cy="1347955"/>
+          </a:xfrm>
+          <a:prstGeom prst="rect">
+            <a:avLst/>
+          </a:prstGeom>
+        </p:spPr>
+      </p:pic>
+      <p:pic>
+        <p:nvPicPr>
+          <p:cNvPr id="41" name="Imagen 40">
+            <a:extLst>
+              <a:ext uri="{FF2B5EF4-FFF2-40B4-BE49-F238E27FC236}">
+                <a16:creationId xmlns:a16="http://schemas.microsoft.com/office/drawing/2014/main" id="{DB1BB956-2D31-4095-A813-7FE34410E16F}"/>
+              </a:ext>
+            </a:extLst>
+          </p:cNvPr>
+          <p:cNvPicPr>
+            <a:picLocks noChangeAspect="1"/>
+          </p:cNvPicPr>
+          <p:nvPr userDrawn="1"/>
+        </p:nvPicPr>
+        <p:blipFill>
+          <a:blip r:embed="rId12"/>
+          <a:stretch>
+            <a:fillRect/>
+          </a:stretch>
+        </p:blipFill>
+        <p:spPr>
+          <a:xfrm>
+            <a:off x="6280496" y="5133072"/>
+            <a:ext cx="2243624" cy="690346"/>
+          </a:xfrm>
+          <a:prstGeom prst="rect">
+            <a:avLst/>
+          </a:prstGeom>
+        </p:spPr>
+      </p:pic>
+      <p:pic>
+        <p:nvPicPr>
+          <p:cNvPr id="42" name="Imagen 41">
+            <a:extLst>
+              <a:ext uri="{FF2B5EF4-FFF2-40B4-BE49-F238E27FC236}">
+                <a16:creationId xmlns:a16="http://schemas.microsoft.com/office/drawing/2014/main" id="{57E11D5A-58A4-4B01-B2C5-262E5311830B}"/>
+              </a:ext>
+            </a:extLst>
+          </p:cNvPr>
+          <p:cNvPicPr>
+            <a:picLocks noChangeAspect="1"/>
+          </p:cNvPicPr>
+          <p:nvPr userDrawn="1"/>
+        </p:nvPicPr>
+        <p:blipFill>
+          <a:blip r:embed="rId13"/>
+          <a:stretch>
+            <a:fillRect/>
+          </a:stretch>
+        </p:blipFill>
+        <p:spPr>
+          <a:xfrm>
+            <a:off x="6585173" y="5797267"/>
+            <a:ext cx="1582743" cy="586201"/>
+          </a:xfrm>
+          <a:prstGeom prst="rect">
+            <a:avLst/>
+          </a:prstGeom>
+        </p:spPr>
+      </p:pic>
+      <p:pic>
+        <p:nvPicPr>
+          <p:cNvPr id="43" name="Imagen 42">
+            <a:extLst>
+              <a:ext uri="{FF2B5EF4-FFF2-40B4-BE49-F238E27FC236}">
+                <a16:creationId xmlns:a16="http://schemas.microsoft.com/office/drawing/2014/main" id="{54EE67C9-0A81-43B6-BD51-66BDF395C52D}"/>
+              </a:ext>
+            </a:extLst>
+          </p:cNvPr>
+          <p:cNvPicPr>
+            <a:picLocks noChangeAspect="1"/>
+          </p:cNvPicPr>
+          <p:nvPr userDrawn="1"/>
+        </p:nvPicPr>
+        <p:blipFill>
+          <a:blip r:embed="rId14"/>
+          <a:stretch>
+            <a:fillRect/>
+          </a:stretch>
+        </p:blipFill>
+        <p:spPr>
+          <a:xfrm>
+            <a:off x="1742944" y="5168113"/>
+            <a:ext cx="2015855" cy="620263"/>
+          </a:xfrm>
+          <a:prstGeom prst="rect">
+            <a:avLst/>
+          </a:prstGeom>
+        </p:spPr>
+      </p:pic>
+      <p:pic>
+        <p:nvPicPr>
+          <p:cNvPr id="44" name="Imagen 43">
+            <a:extLst>
+              <a:ext uri="{FF2B5EF4-FFF2-40B4-BE49-F238E27FC236}">
+                <a16:creationId xmlns:a16="http://schemas.microsoft.com/office/drawing/2014/main" id="{35B55873-CE91-4FA6-AF78-DEE039AE644F}"/>
+              </a:ext>
+            </a:extLst>
+          </p:cNvPr>
+          <p:cNvPicPr>
+            <a:picLocks noChangeAspect="1"/>
+          </p:cNvPicPr>
+          <p:nvPr userDrawn="1"/>
+        </p:nvPicPr>
+        <p:blipFill>
+          <a:blip r:embed="rId15"/>
+          <a:stretch>
+            <a:fillRect/>
+          </a:stretch>
+        </p:blipFill>
+        <p:spPr>
+          <a:xfrm>
+            <a:off x="4058691" y="5210611"/>
+            <a:ext cx="2144054" cy="560669"/>
+          </a:xfrm>
+          <a:prstGeom prst="rect">
+            <a:avLst/>
+          </a:prstGeom>
+        </p:spPr>
+      </p:pic>
+      <p:pic>
+        <p:nvPicPr>
+          <p:cNvPr id="45" name="Imagen 44">
+            <a:extLst>
+              <a:ext uri="{FF2B5EF4-FFF2-40B4-BE49-F238E27FC236}">
+                <a16:creationId xmlns:a16="http://schemas.microsoft.com/office/drawing/2014/main" id="{906A67CF-4486-4B4F-AD1C-CE1C1C5811A9}"/>
+              </a:ext>
+            </a:extLst>
+          </p:cNvPr>
+          <p:cNvPicPr>
+            <a:picLocks noChangeAspect="1"/>
+          </p:cNvPicPr>
+          <p:nvPr userDrawn="1"/>
+        </p:nvPicPr>
+        <p:blipFill>
+          <a:blip r:embed="rId16"/>
+          <a:stretch>
+            <a:fillRect/>
+          </a:stretch>
+        </p:blipFill>
+        <p:spPr>
+          <a:xfrm>
+            <a:off x="1946157" y="5911986"/>
+            <a:ext cx="1905154" cy="586201"/>
+          </a:xfrm>
+          <a:prstGeom prst="rect">
+            <a:avLst/>
+          </a:prstGeom>
+        </p:spPr>
+      </p:pic>
+      <p:pic>
+        <p:nvPicPr>
+          <p:cNvPr id="46" name="Imagen 45">
+            <a:extLst>
+              <a:ext uri="{FF2B5EF4-FFF2-40B4-BE49-F238E27FC236}">
+                <a16:creationId xmlns:a16="http://schemas.microsoft.com/office/drawing/2014/main" id="{26508D53-A3E3-4655-8052-99D549B04569}"/>
+              </a:ext>
+            </a:extLst>
+          </p:cNvPr>
+          <p:cNvPicPr>
+            <a:picLocks noChangeAspect="1"/>
+          </p:cNvPicPr>
+          <p:nvPr userDrawn="1"/>
+        </p:nvPicPr>
+        <p:blipFill>
+          <a:blip r:embed="rId17"/>
+          <a:stretch>
+            <a:fillRect/>
+          </a:stretch>
+        </p:blipFill>
+        <p:spPr>
+          <a:xfrm>
+            <a:off x="4305306" y="6000501"/>
+            <a:ext cx="1800350" cy="409170"/>
+          </a:xfrm>
+          <a:prstGeom prst="rect">
+            <a:avLst/>
+          </a:prstGeom>
+        </p:spPr>
+      </p:pic>
+      <p:pic>
+        <p:nvPicPr>
+          <p:cNvPr id="52" name="Imagen 51">
+            <a:extLst>
+              <a:ext uri="{FF2B5EF4-FFF2-40B4-BE49-F238E27FC236}">
+                <a16:creationId xmlns:a16="http://schemas.microsoft.com/office/drawing/2014/main" id="{65305C3A-9FF2-453C-97CB-F84E62C43FD9}"/>
+              </a:ext>
+            </a:extLst>
+          </p:cNvPr>
+          <p:cNvPicPr>
+            <a:picLocks noChangeAspect="1"/>
+          </p:cNvPicPr>
+          <p:nvPr userDrawn="1"/>
+        </p:nvPicPr>
+        <p:blipFill>
+          <a:blip r:embed="rId18"/>
+          <a:stretch>
+            <a:fillRect/>
+          </a:stretch>
+        </p:blipFill>
+        <p:spPr>
+          <a:xfrm>
+            <a:off x="8653606" y="5054665"/>
+            <a:ext cx="1839530" cy="567666"/>
+          </a:xfrm>
+          <a:prstGeom prst="rect">
+            <a:avLst/>
+          </a:prstGeom>
+        </p:spPr>
+      </p:pic>
+      <p:pic>
+        <p:nvPicPr>
+          <p:cNvPr id="53" name="Imagen 52">
+            <a:extLst>
+              <a:ext uri="{FF2B5EF4-FFF2-40B4-BE49-F238E27FC236}">
+                <a16:creationId xmlns:a16="http://schemas.microsoft.com/office/drawing/2014/main" id="{4EA29E41-39DE-45D5-AE3B-45B901D8842E}"/>
+              </a:ext>
+            </a:extLst>
+          </p:cNvPr>
+          <p:cNvPicPr>
+            <a:picLocks noChangeAspect="1"/>
+          </p:cNvPicPr>
+          <p:nvPr userDrawn="1"/>
+        </p:nvPicPr>
+        <p:blipFill>
+          <a:blip r:embed="rId19"/>
+          <a:stretch>
+            <a:fillRect/>
+          </a:stretch>
+        </p:blipFill>
+        <p:spPr>
+          <a:xfrm>
+            <a:off x="8647433" y="5788376"/>
+            <a:ext cx="1839529" cy="634175"/>
           </a:xfrm>
           <a:prstGeom prst="rect">
             <a:avLst/>
@@ -25387,10 +25417,10 @@
       </p:grpSpPr>
       <p:sp>
         <p:nvSpPr>
-          <p:cNvPr id="8" name="Rectángulo 7">
+          <p:cNvPr id="14" name="Rectángulo 13">
             <a:extLst>
               <a:ext uri="{FF2B5EF4-FFF2-40B4-BE49-F238E27FC236}">
-                <a16:creationId xmlns:a16="http://schemas.microsoft.com/office/drawing/2014/main" id="{8E040693-2661-4727-9EA2-5950B412CA24}"/>
+                <a16:creationId xmlns:a16="http://schemas.microsoft.com/office/drawing/2014/main" id="{21AD37A6-E490-4F98-BC4A-6610513EA03A}"/>
               </a:ext>
             </a:extLst>
           </p:cNvPr>
@@ -25466,10 +25496,10 @@
       </p:sp>
       <p:graphicFrame>
         <p:nvGraphicFramePr>
-          <p:cNvPr id="7" name="Objeto 6">
+          <p:cNvPr id="15" name="Objeto 14">
             <a:extLst>
               <a:ext uri="{FF2B5EF4-FFF2-40B4-BE49-F238E27FC236}">
-                <a16:creationId xmlns:a16="http://schemas.microsoft.com/office/drawing/2014/main" id="{32E413D6-B6AC-40F0-85EC-A2927B20E6EB}"/>
+                <a16:creationId xmlns:a16="http://schemas.microsoft.com/office/drawing/2014/main" id="{731ABEAB-0558-4DCB-BD46-F59F185C79C0}"/>
               </a:ext>
             </a:extLst>
           </p:cNvPr>
@@ -25479,7 +25509,7 @@
           <p:nvPr userDrawn="1">
             <p:extLst>
               <p:ext uri="{D42A27DB-BD31-4B8C-83A1-F6EECF244321}">
-                <p14:modId xmlns:p14="http://schemas.microsoft.com/office/powerpoint/2010/main" val="3812561144"/>
+                <p14:modId xmlns:p14="http://schemas.microsoft.com/office/powerpoint/2010/main" val="3758825584"/>
               </p:ext>
             </p:extLst>
           </p:nvPr>
@@ -25535,10 +25565,10 @@
       </p:graphicFrame>
       <p:pic>
         <p:nvPicPr>
-          <p:cNvPr id="3" name="Imagen 2">
+          <p:cNvPr id="16" name="Imagen 15">
             <a:extLst>
               <a:ext uri="{FF2B5EF4-FFF2-40B4-BE49-F238E27FC236}">
-                <a16:creationId xmlns:a16="http://schemas.microsoft.com/office/drawing/2014/main" id="{5A11A0A1-8810-4701-A8A9-861238804999}"/>
+                <a16:creationId xmlns:a16="http://schemas.microsoft.com/office/drawing/2014/main" id="{63E44E50-A8A6-476A-9F1C-649D6248542E}"/>
               </a:ext>
             </a:extLst>
           </p:cNvPr>
@@ -25565,10 +25595,10 @@
       </p:pic>
       <p:graphicFrame>
         <p:nvGraphicFramePr>
-          <p:cNvPr id="28" name="Objeto 27">
+          <p:cNvPr id="17" name="Objeto 16">
             <a:extLst>
               <a:ext uri="{FF2B5EF4-FFF2-40B4-BE49-F238E27FC236}">
-                <a16:creationId xmlns:a16="http://schemas.microsoft.com/office/drawing/2014/main" id="{5DEB6C23-8509-4297-A490-EE57516A61DD}"/>
+                <a16:creationId xmlns:a16="http://schemas.microsoft.com/office/drawing/2014/main" id="{CA0C0067-A84B-47EC-B18D-0C6D6A67A97F}"/>
               </a:ext>
             </a:extLst>
           </p:cNvPr>
@@ -25578,7 +25608,7 @@
           <p:nvPr userDrawn="1">
             <p:extLst>
               <p:ext uri="{D42A27DB-BD31-4B8C-83A1-F6EECF244321}">
-                <p14:modId xmlns:p14="http://schemas.microsoft.com/office/powerpoint/2010/main" val="2545392785"/>
+                <p14:modId xmlns:p14="http://schemas.microsoft.com/office/powerpoint/2010/main" val="2734261753"/>
               </p:ext>
             </p:extLst>
           </p:nvPr>
@@ -25634,10 +25664,10 @@
       </p:graphicFrame>
       <p:graphicFrame>
         <p:nvGraphicFramePr>
-          <p:cNvPr id="30" name="Objeto 29">
+          <p:cNvPr id="19" name="Objeto 18">
             <a:extLst>
               <a:ext uri="{FF2B5EF4-FFF2-40B4-BE49-F238E27FC236}">
-                <a16:creationId xmlns:a16="http://schemas.microsoft.com/office/drawing/2014/main" id="{A85AC8ED-2B29-42FA-9EBD-14E9BAB6053E}"/>
+                <a16:creationId xmlns:a16="http://schemas.microsoft.com/office/drawing/2014/main" id="{459C9841-F743-4CE3-A9CE-8B08485D610F}"/>
               </a:ext>
             </a:extLst>
           </p:cNvPr>
@@ -25647,7 +25677,7 @@
           <p:nvPr userDrawn="1">
             <p:extLst>
               <p:ext uri="{D42A27DB-BD31-4B8C-83A1-F6EECF244321}">
-                <p14:modId xmlns:p14="http://schemas.microsoft.com/office/powerpoint/2010/main" val="1996726143"/>
+                <p14:modId xmlns:p14="http://schemas.microsoft.com/office/powerpoint/2010/main" val="103777093"/>
               </p:ext>
             </p:extLst>
           </p:nvPr>
@@ -25703,10 +25733,10 @@
       </p:graphicFrame>
       <p:pic>
         <p:nvPicPr>
-          <p:cNvPr id="18" name="Imagen 17">
+          <p:cNvPr id="20" name="Imagen 19">
             <a:extLst>
               <a:ext uri="{FF2B5EF4-FFF2-40B4-BE49-F238E27FC236}">
-                <a16:creationId xmlns:a16="http://schemas.microsoft.com/office/drawing/2014/main" id="{9B6F9D78-C58E-4D1B-A392-3D34DAA2B8B8}"/>
+                <a16:creationId xmlns:a16="http://schemas.microsoft.com/office/drawing/2014/main" id="{0CC8E023-57F0-4716-9439-209DC28AF297}"/>
               </a:ext>
             </a:extLst>
           </p:cNvPr>
@@ -25723,7 +25753,7 @@
         </p:blipFill>
         <p:spPr>
           <a:xfrm>
-            <a:off x="501323" y="5106327"/>
+            <a:off x="535251" y="4091351"/>
             <a:ext cx="3299139" cy="1015120"/>
           </a:xfrm>
           <a:prstGeom prst="rect">
@@ -25733,10 +25763,10 @@
       </p:pic>
       <p:pic>
         <p:nvPicPr>
-          <p:cNvPr id="22" name="Imagen 21">
+          <p:cNvPr id="21" name="Imagen 20">
             <a:extLst>
               <a:ext uri="{FF2B5EF4-FFF2-40B4-BE49-F238E27FC236}">
-                <a16:creationId xmlns:a16="http://schemas.microsoft.com/office/drawing/2014/main" id="{EB90AF3C-936D-4D44-BFFA-A635C3D9EC15}"/>
+                <a16:creationId xmlns:a16="http://schemas.microsoft.com/office/drawing/2014/main" id="{67AD096B-5E9D-4D2D-A73E-9442EEC9BB46}"/>
               </a:ext>
             </a:extLst>
           </p:cNvPr>
@@ -25753,8 +25783,8 @@
         </p:blipFill>
         <p:spPr>
           <a:xfrm>
-            <a:off x="4795788" y="2889461"/>
-            <a:ext cx="2964216" cy="912066"/>
+            <a:off x="836952" y="5359947"/>
+            <a:ext cx="3152727" cy="824437"/>
           </a:xfrm>
           <a:prstGeom prst="rect">
             <a:avLst/>
@@ -25763,10 +25793,10 @@
       </p:pic>
       <p:pic>
         <p:nvPicPr>
-          <p:cNvPr id="24" name="Imagen 23">
+          <p:cNvPr id="23" name="Imagen 22">
             <a:extLst>
               <a:ext uri="{FF2B5EF4-FFF2-40B4-BE49-F238E27FC236}">
-                <a16:creationId xmlns:a16="http://schemas.microsoft.com/office/drawing/2014/main" id="{9A581694-116D-4273-8957-E6C28A72B8B6}"/>
+                <a16:creationId xmlns:a16="http://schemas.microsoft.com/office/drawing/2014/main" id="{B2CB1965-510B-4BF6-B757-CD22CBB89ECC}"/>
               </a:ext>
             </a:extLst>
           </p:cNvPr>
@@ -25783,8 +25813,8 @@
         </p:blipFill>
         <p:spPr>
           <a:xfrm>
-            <a:off x="4770299" y="4103833"/>
-            <a:ext cx="3152727" cy="824437"/>
+            <a:off x="8701034" y="3081791"/>
+            <a:ext cx="2801436" cy="861980"/>
           </a:xfrm>
           <a:prstGeom prst="rect">
             <a:avLst/>
@@ -25793,10 +25823,10 @@
       </p:pic>
       <p:pic>
         <p:nvPicPr>
-          <p:cNvPr id="26" name="Imagen 25">
+          <p:cNvPr id="25" name="Imagen 24">
             <a:extLst>
               <a:ext uri="{FF2B5EF4-FFF2-40B4-BE49-F238E27FC236}">
-                <a16:creationId xmlns:a16="http://schemas.microsoft.com/office/drawing/2014/main" id="{5E015451-231A-4C28-BCF7-34141037A2EC}"/>
+                <a16:creationId xmlns:a16="http://schemas.microsoft.com/office/drawing/2014/main" id="{50F3044D-F896-43A9-AB06-8A50731BFEE3}"/>
               </a:ext>
             </a:extLst>
           </p:cNvPr>
@@ -25813,8 +25843,8 @@
         </p:blipFill>
         <p:spPr>
           <a:xfrm>
-            <a:off x="8656795" y="4066290"/>
-            <a:ext cx="2801436" cy="861980"/>
+            <a:off x="9075344" y="3970682"/>
+            <a:ext cx="2327347" cy="861980"/>
           </a:xfrm>
           <a:prstGeom prst="rect">
             <a:avLst/>
@@ -25823,10 +25853,10 @@
       </p:pic>
       <p:pic>
         <p:nvPicPr>
-          <p:cNvPr id="31" name="Imagen 30">
+          <p:cNvPr id="29" name="Imagen 28">
             <a:extLst>
               <a:ext uri="{FF2B5EF4-FFF2-40B4-BE49-F238E27FC236}">
-                <a16:creationId xmlns:a16="http://schemas.microsoft.com/office/drawing/2014/main" id="{C94DB5F8-B2BA-4BD7-B58D-7CB2A9C9CF1D}"/>
+                <a16:creationId xmlns:a16="http://schemas.microsoft.com/office/drawing/2014/main" id="{5DBA5020-F758-4EC3-BCC1-9E0422F2FDA2}"/>
               </a:ext>
             </a:extLst>
           </p:cNvPr>
@@ -25843,8 +25873,8 @@
         </p:blipFill>
         <p:spPr>
           <a:xfrm>
-            <a:off x="8892861" y="5034166"/>
-            <a:ext cx="2327347" cy="861980"/>
+            <a:off x="5003367" y="4755776"/>
+            <a:ext cx="2647327" cy="601665"/>
           </a:xfrm>
           <a:prstGeom prst="rect">
             <a:avLst/>
@@ -25853,10 +25883,10 @@
       </p:pic>
       <p:pic>
         <p:nvPicPr>
-          <p:cNvPr id="33" name="Imagen 32">
+          <p:cNvPr id="32" name="Imagen 31">
             <a:extLst>
               <a:ext uri="{FF2B5EF4-FFF2-40B4-BE49-F238E27FC236}">
-                <a16:creationId xmlns:a16="http://schemas.microsoft.com/office/drawing/2014/main" id="{13444165-BAE5-4873-BF7F-7492191AA9F3}"/>
+                <a16:creationId xmlns:a16="http://schemas.microsoft.com/office/drawing/2014/main" id="{8724523E-2C1A-43B9-8D69-58CAA70A3ADF}"/>
               </a:ext>
             </a:extLst>
           </p:cNvPr>
@@ -25873,8 +25903,8 @@
         </p:blipFill>
         <p:spPr>
           <a:xfrm>
-            <a:off x="5022998" y="5313055"/>
-            <a:ext cx="2647327" cy="601665"/>
+            <a:off x="1025219" y="3037343"/>
+            <a:ext cx="2594132" cy="800532"/>
           </a:xfrm>
           <a:prstGeom prst="rect">
             <a:avLst/>
@@ -25883,10 +25913,10 @@
       </p:pic>
       <p:pic>
         <p:nvPicPr>
-          <p:cNvPr id="27" name="Imagen 26">
+          <p:cNvPr id="34" name="Imagen 33">
             <a:extLst>
               <a:ext uri="{FF2B5EF4-FFF2-40B4-BE49-F238E27FC236}">
-                <a16:creationId xmlns:a16="http://schemas.microsoft.com/office/drawing/2014/main" id="{C947B99A-CDFB-4780-9AFD-0376495A6E46}"/>
+                <a16:creationId xmlns:a16="http://schemas.microsoft.com/office/drawing/2014/main" id="{6B216F10-E7BC-485B-88D1-16A00AA1DC64}"/>
               </a:ext>
             </a:extLst>
           </p:cNvPr>
@@ -25903,8 +25933,38 @@
         </p:blipFill>
         <p:spPr>
           <a:xfrm>
-            <a:off x="941074" y="4020721"/>
-            <a:ext cx="2594132" cy="800532"/>
+            <a:off x="9010948" y="5213153"/>
+            <a:ext cx="2391743" cy="824551"/>
+          </a:xfrm>
+          <a:prstGeom prst="rect">
+            <a:avLst/>
+          </a:prstGeom>
+        </p:spPr>
+      </p:pic>
+      <p:pic>
+        <p:nvPicPr>
+          <p:cNvPr id="35" name="Imagen 34">
+            <a:extLst>
+              <a:ext uri="{FF2B5EF4-FFF2-40B4-BE49-F238E27FC236}">
+                <a16:creationId xmlns:a16="http://schemas.microsoft.com/office/drawing/2014/main" id="{EB3C0182-BF14-4AAE-AA63-1731C633C9EF}"/>
+              </a:ext>
+            </a:extLst>
+          </p:cNvPr>
+          <p:cNvPicPr>
+            <a:picLocks noChangeAspect="1"/>
+          </p:cNvPicPr>
+          <p:nvPr userDrawn="1"/>
+        </p:nvPicPr>
+        <p:blipFill>
+          <a:blip r:embed="rId16"/>
+          <a:stretch>
+            <a:fillRect/>
+          </a:stretch>
+        </p:blipFill>
+        <p:spPr>
+          <a:xfrm>
+            <a:off x="4831769" y="3336406"/>
+            <a:ext cx="2964216" cy="912066"/>
           </a:xfrm>
           <a:prstGeom prst="rect">
             <a:avLst/>
@@ -25964,7 +26024,7 @@
                                       <p:cBhvr>
                                         <p:cTn id="6" dur="20000" fill="hold"/>
                                         <p:tgtEl>
-                                          <p:spTgt spid="7"/>
+                                          <p:spTgt spid="15"/>
                                         </p:tgtEl>
                                         <p:attrNameLst>
                                           <p:attrName>r</p:attrName>
@@ -45470,6 +45530,77 @@
 </file>
 
 <file path=customXml/item1.xml><?xml version="1.0" encoding="utf-8"?>
+<?mso-contentType ?>
+<FormTemplates xmlns="http://schemas.microsoft.com/sharepoint/v3/contenttype/forms">
+  <Display>DocumentLibraryForm</Display>
+  <Edit>DocumentLibraryForm</Edit>
+  <New>DocumentLibraryForm</New>
+</FormTemplates>
+</file>
+
+<file path=customXml/item2.xml><?xml version="1.0" encoding="utf-8"?>
+<p:properties xmlns:p="http://schemas.microsoft.com/office/2006/metadata/properties" xmlns:xsi="http://www.w3.org/2001/XMLSchema-instance" xmlns:pc="http://schemas.microsoft.com/office/infopath/2007/PartnerControls">
+  <documentManagement>
+    <_ip_UnifiedCompliancePolicyUIAction xmlns="http://schemas.microsoft.com/sharepoint/v3" xsi:nil="true"/>
+    <_ip_UnifiedCompliancePolicyProperties xmlns="http://schemas.microsoft.com/sharepoint/v3" xsi:nil="true"/>
+    <MediaServiceKeyPoints xmlns="9d1f81f6-e953-47ea-988e-33ed651c58e6" xsi:nil="true"/>
+    <External_x0020_Speaker xmlns="5a4b3278-325d-441a-b38f-6f1926bc734e" xsi:nil="true"/>
+    <j478fa01fff54a9d85f93cc1f742caa8 xmlns="5a4b3278-325d-441a-b38f-6f1926bc734e">
+      <Terms xmlns="http://schemas.microsoft.com/office/infopath/2007/PartnerControls"/>
+    </j478fa01fff54a9d85f93cc1f742caa8>
+    <Event_x0020_End_x0020_Date xmlns="5a4b3278-325d-441a-b38f-6f1926bc734e" xsi:nil="true"/>
+    <LikesCount xmlns="http://schemas.microsoft.com/sharepoint/v3" xsi:nil="true"/>
+    <MS_x0020_Speaker xmlns="5a4b3278-325d-441a-b38f-6f1926bc734e">
+      <UserInfo>
+        <DisplayName/>
+        <AccountId xsi:nil="true"/>
+        <AccountType/>
+      </UserInfo>
+    </MS_x0020_Speaker>
+    <o33121adfc264c7dbcad13be7db3ea4b xmlns="5a4b3278-325d-441a-b38f-6f1926bc734e">
+      <Terms xmlns="http://schemas.microsoft.com/office/infopath/2007/PartnerControls"/>
+    </o33121adfc264c7dbcad13be7db3ea4b>
+    <Session_x0020_Code xmlns="5a4b3278-325d-441a-b38f-6f1926bc734e" xsi:nil="true"/>
+    <Presentation_x0020_Date xmlns="5a4b3278-325d-441a-b38f-6f1926bc734e" xsi:nil="true"/>
+    <ba5aa7e3a41a404e868a451481761228 xmlns="5a4b3278-325d-441a-b38f-6f1926bc734e">
+      <Terms xmlns="http://schemas.microsoft.com/office/infopath/2007/PartnerControls"/>
+    </ba5aa7e3a41a404e868a451481761228>
+    <n26c0b7259a14f82a9880173edc4cb73 xmlns="5a4b3278-325d-441a-b38f-6f1926bc734e">
+      <Terms xmlns="http://schemas.microsoft.com/office/infopath/2007/PartnerControls"/>
+    </n26c0b7259a14f82a9880173edc4cb73>
+    <c4b02e5b2c48420dbed84c0f2f02e9a3 xmlns="5a4b3278-325d-441a-b38f-6f1926bc734e">
+      <Terms xmlns="http://schemas.microsoft.com/office/infopath/2007/PartnerControls"/>
+    </c4b02e5b2c48420dbed84c0f2f02e9a3>
+    <Event_x0020_Start_x0020_Date xmlns="5a4b3278-325d-441a-b38f-6f1926bc734e" xsi:nil="true"/>
+    <MS_x0020_Content_x0020_Owner xmlns="5a4b3278-325d-441a-b38f-6f1926bc734e">
+      <UserInfo>
+        <DisplayName/>
+        <AccountId xsi:nil="true"/>
+        <AccountType/>
+      </UserInfo>
+    </MS_x0020_Content_x0020_Owner>
+    <TaxKeywordTaxHTField xmlns="230e9df3-be65-4c73-a93b-d1236ebd677e">
+      <Terms xmlns="http://schemas.microsoft.com/office/infopath/2007/PartnerControls">
+        <TermInfo xmlns="http://schemas.microsoft.com/office/infopath/2007/PartnerControls">
+          <TermName xmlns="http://schemas.microsoft.com/office/infopath/2007/PartnerControls">Microsoft Ignite The Tour FY20</TermName>
+          <TermId xmlns="http://schemas.microsoft.com/office/infopath/2007/PartnerControls">92cd8354-19e0-47e3-879f-674e86e0d77f</TermId>
+        </TermInfo>
+      </Terms>
+    </TaxKeywordTaxHTField>
+    <j129f3114929433a812312450a84994c xmlns="5a4b3278-325d-441a-b38f-6f1926bc734e">
+      <Terms xmlns="http://schemas.microsoft.com/office/infopath/2007/PartnerControls"/>
+    </j129f3114929433a812312450a84994c>
+    <TaxCatchAll xmlns="230e9df3-be65-4c73-a93b-d1236ebd677e">
+      <Value>251</Value>
+    </TaxCatchAll>
+    <e1750f71052543bd8c4d7217e9f56da0 xmlns="5a4b3278-325d-441a-b38f-6f1926bc734e">
+      <Terms xmlns="http://schemas.microsoft.com/office/infopath/2007/PartnerControls"/>
+    </e1750f71052543bd8c4d7217e9f56da0>
+  </documentManagement>
+</p:properties>
+</file>
+
+<file path=customXml/item3.xml><?xml version="1.0" encoding="utf-8"?>
 <ct:contentTypeSchema xmlns:ct="http://schemas.microsoft.com/office/2006/metadata/contentType" xmlns:ma="http://schemas.microsoft.com/office/2006/metadata/properties/metaAttributes" ct:_="" ma:_="" ma:contentTypeName="PresentationsDoc" ma:contentTypeID="0x010100606EF5350B4AC34299E527B9221D6B5E001A2DF7EB5935C14F830206357EC2322C" ma:contentTypeVersion="34" ma:contentTypeDescription="" ma:contentTypeScope="" ma:versionID="b48d6a27735be7714bdd88c81c28b068">
   <xsd:schema xmlns:xsd="http://www.w3.org/2001/XMLSchema" xmlns:xs="http://www.w3.org/2001/XMLSchema" xmlns:p="http://schemas.microsoft.com/office/2006/metadata/properties" xmlns:ns1="http://schemas.microsoft.com/sharepoint/v3" xmlns:ns2="5a4b3278-325d-441a-b38f-6f1926bc734e" xmlns:ns3="230e9df3-be65-4c73-a93b-d1236ebd677e" xmlns:ns5="9d1f81f6-e953-47ea-988e-33ed651c58e6" targetNamespace="http://schemas.microsoft.com/office/2006/metadata/properties" ma:root="true" ma:fieldsID="61aa76b7b235bae3242d4a7e9080af88" ns1:_="" ns2:_="" ns3:_="" ns5:_="">
     <xsd:import namespace="http://schemas.microsoft.com/sharepoint/v3"/>
@@ -45890,78 +46021,36 @@
 </ct:contentTypeSchema>
 </file>
 
-<file path=customXml/item2.xml><?xml version="1.0" encoding="utf-8"?>
-<?mso-contentType ?>
-<FormTemplates xmlns="http://schemas.microsoft.com/sharepoint/v3/contenttype/forms">
-  <Display>DocumentLibraryForm</Display>
-  <Edit>DocumentLibraryForm</Edit>
-  <New>DocumentLibraryForm</New>
-</FormTemplates>
+<file path=customXml/itemProps1.xml><?xml version="1.0" encoding="utf-8"?>
+<ds:datastoreItem xmlns:ds="http://schemas.openxmlformats.org/officeDocument/2006/customXml" ds:itemID="{758FDAC0-319D-4A54-8D8E-1D42CB1F8004}">
+  <ds:schemaRefs>
+    <ds:schemaRef ds:uri="http://schemas.microsoft.com/sharepoint/v3/contenttype/forms"/>
+  </ds:schemaRefs>
+</ds:datastoreItem>
 </file>
 
-<file path=customXml/item3.xml><?xml version="1.0" encoding="utf-8"?>
-<p:properties xmlns:p="http://schemas.microsoft.com/office/2006/metadata/properties" xmlns:xsi="http://www.w3.org/2001/XMLSchema-instance" xmlns:pc="http://schemas.microsoft.com/office/infopath/2007/PartnerControls">
-  <documentManagement>
-    <_ip_UnifiedCompliancePolicyUIAction xmlns="http://schemas.microsoft.com/sharepoint/v3" xsi:nil="true"/>
-    <_ip_UnifiedCompliancePolicyProperties xmlns="http://schemas.microsoft.com/sharepoint/v3" xsi:nil="true"/>
-    <MediaServiceKeyPoints xmlns="9d1f81f6-e953-47ea-988e-33ed651c58e6" xsi:nil="true"/>
-    <External_x0020_Speaker xmlns="5a4b3278-325d-441a-b38f-6f1926bc734e" xsi:nil="true"/>
-    <j478fa01fff54a9d85f93cc1f742caa8 xmlns="5a4b3278-325d-441a-b38f-6f1926bc734e">
-      <Terms xmlns="http://schemas.microsoft.com/office/infopath/2007/PartnerControls"/>
-    </j478fa01fff54a9d85f93cc1f742caa8>
-    <Event_x0020_End_x0020_Date xmlns="5a4b3278-325d-441a-b38f-6f1926bc734e" xsi:nil="true"/>
-    <LikesCount xmlns="http://schemas.microsoft.com/sharepoint/v3" xsi:nil="true"/>
-    <MS_x0020_Speaker xmlns="5a4b3278-325d-441a-b38f-6f1926bc734e">
-      <UserInfo>
-        <DisplayName/>
-        <AccountId xsi:nil="true"/>
-        <AccountType/>
-      </UserInfo>
-    </MS_x0020_Speaker>
-    <o33121adfc264c7dbcad13be7db3ea4b xmlns="5a4b3278-325d-441a-b38f-6f1926bc734e">
-      <Terms xmlns="http://schemas.microsoft.com/office/infopath/2007/PartnerControls"/>
-    </o33121adfc264c7dbcad13be7db3ea4b>
-    <Session_x0020_Code xmlns="5a4b3278-325d-441a-b38f-6f1926bc734e" xsi:nil="true"/>
-    <Presentation_x0020_Date xmlns="5a4b3278-325d-441a-b38f-6f1926bc734e" xsi:nil="true"/>
-    <ba5aa7e3a41a404e868a451481761228 xmlns="5a4b3278-325d-441a-b38f-6f1926bc734e">
-      <Terms xmlns="http://schemas.microsoft.com/office/infopath/2007/PartnerControls"/>
-    </ba5aa7e3a41a404e868a451481761228>
-    <n26c0b7259a14f82a9880173edc4cb73 xmlns="5a4b3278-325d-441a-b38f-6f1926bc734e">
-      <Terms xmlns="http://schemas.microsoft.com/office/infopath/2007/PartnerControls"/>
-    </n26c0b7259a14f82a9880173edc4cb73>
-    <c4b02e5b2c48420dbed84c0f2f02e9a3 xmlns="5a4b3278-325d-441a-b38f-6f1926bc734e">
-      <Terms xmlns="http://schemas.microsoft.com/office/infopath/2007/PartnerControls"/>
-    </c4b02e5b2c48420dbed84c0f2f02e9a3>
-    <Event_x0020_Start_x0020_Date xmlns="5a4b3278-325d-441a-b38f-6f1926bc734e" xsi:nil="true"/>
-    <MS_x0020_Content_x0020_Owner xmlns="5a4b3278-325d-441a-b38f-6f1926bc734e">
-      <UserInfo>
-        <DisplayName/>
-        <AccountId xsi:nil="true"/>
-        <AccountType/>
-      </UserInfo>
-    </MS_x0020_Content_x0020_Owner>
-    <TaxKeywordTaxHTField xmlns="230e9df3-be65-4c73-a93b-d1236ebd677e">
-      <Terms xmlns="http://schemas.microsoft.com/office/infopath/2007/PartnerControls">
-        <TermInfo xmlns="http://schemas.microsoft.com/office/infopath/2007/PartnerControls">
-          <TermName xmlns="http://schemas.microsoft.com/office/infopath/2007/PartnerControls">Microsoft Ignite The Tour FY20</TermName>
-          <TermId xmlns="http://schemas.microsoft.com/office/infopath/2007/PartnerControls">92cd8354-19e0-47e3-879f-674e86e0d77f</TermId>
-        </TermInfo>
-      </Terms>
-    </TaxKeywordTaxHTField>
-    <j129f3114929433a812312450a84994c xmlns="5a4b3278-325d-441a-b38f-6f1926bc734e">
-      <Terms xmlns="http://schemas.microsoft.com/office/infopath/2007/PartnerControls"/>
-    </j129f3114929433a812312450a84994c>
-    <TaxCatchAll xmlns="230e9df3-be65-4c73-a93b-d1236ebd677e">
-      <Value>251</Value>
-    </TaxCatchAll>
-    <e1750f71052543bd8c4d7217e9f56da0 xmlns="5a4b3278-325d-441a-b38f-6f1926bc734e">
-      <Terms xmlns="http://schemas.microsoft.com/office/infopath/2007/PartnerControls"/>
-    </e1750f71052543bd8c4d7217e9f56da0>
-  </documentManagement>
-</p:properties>
+<file path=customXml/itemProps2.xml><?xml version="1.0" encoding="utf-8"?>
+<ds:datastoreItem xmlns:ds="http://schemas.openxmlformats.org/officeDocument/2006/customXml" ds:itemID="{F990F116-B58F-4255-B05B-DA3808E0E5C6}">
+  <ds:schemaRefs>
+    <ds:schemaRef ds:uri="12239fb0-26c0-4a37-b790-6c81fba9d0fc"/>
+    <ds:schemaRef ds:uri="http://schemas.openxmlformats.org/package/2006/metadata/core-properties"/>
+    <ds:schemaRef ds:uri="http://www.w3.org/XML/1998/namespace"/>
+    <ds:schemaRef ds:uri="16dc66bd-df5a-4495-a5c9-5e296f49988a"/>
+    <ds:schemaRef ds:uri="http://schemas.microsoft.com/sharepoint/v3"/>
+    <ds:schemaRef ds:uri="http://purl.org/dc/terms/"/>
+    <ds:schemaRef ds:uri="http://purl.org/dc/dcmitype/"/>
+    <ds:schemaRef ds:uri="http://schemas.microsoft.com/office/2006/metadata/properties"/>
+    <ds:schemaRef ds:uri="http://schemas.microsoft.com/office/2006/documentManagement/types"/>
+    <ds:schemaRef ds:uri="http://schemas.microsoft.com/office/infopath/2007/PartnerControls"/>
+    <ds:schemaRef ds:uri="http://purl.org/dc/elements/1.1/"/>
+    <ds:schemaRef ds:uri="9d1f81f6-e953-47ea-988e-33ed651c58e6"/>
+    <ds:schemaRef ds:uri="5a4b3278-325d-441a-b38f-6f1926bc734e"/>
+    <ds:schemaRef ds:uri="230e9df3-be65-4c73-a93b-d1236ebd677e"/>
+  </ds:schemaRefs>
+</ds:datastoreItem>
 </file>
 
-<file path=customXml/itemProps1.xml><?xml version="1.0" encoding="utf-8"?>
+<file path=customXml/itemProps3.xml><?xml version="1.0" encoding="utf-8"?>
 <ds:datastoreItem xmlns:ds="http://schemas.openxmlformats.org/officeDocument/2006/customXml" ds:itemID="{625FD152-D4B9-485B-9213-BB78FF8ABCB4}">
   <ds:schemaRefs>
     <ds:schemaRef ds:uri="http://schemas.microsoft.com/office/2006/metadata/contentType"/>
@@ -45980,33 +46069,4 @@
     <ds:schemaRef ds:uri="http://schemas.microsoft.com/internal/obd"/>
   </ds:schemaRefs>
 </ds:datastoreItem>
-</file>
-
-<file path=customXml/itemProps2.xml><?xml version="1.0" encoding="utf-8"?>
-<ds:datastoreItem xmlns:ds="http://schemas.openxmlformats.org/officeDocument/2006/customXml" ds:itemID="{758FDAC0-319D-4A54-8D8E-1D42CB1F8004}">
-  <ds:schemaRefs>
-    <ds:schemaRef ds:uri="http://schemas.microsoft.com/sharepoint/v3/contenttype/forms"/>
-  </ds:schemaRefs>
-</ds:datastoreItem>
-</file>
-
-<file path=customXml/itemProps3.xml><?xml version="1.0" encoding="utf-8"?>
-<ds:datastoreItem xmlns:ds="http://schemas.openxmlformats.org/officeDocument/2006/customXml" ds:itemID="{F990F116-B58F-4255-B05B-DA3808E0E5C6}">
-  <ds:schemaRefs>
-    <ds:schemaRef ds:uri="12239fb0-26c0-4a37-b790-6c81fba9d0fc"/>
-    <ds:schemaRef ds:uri="http://schemas.openxmlformats.org/package/2006/metadata/core-properties"/>
-    <ds:schemaRef ds:uri="http://www.w3.org/XML/1998/namespace"/>
-    <ds:schemaRef ds:uri="16dc66bd-df5a-4495-a5c9-5e296f49988a"/>
-    <ds:schemaRef ds:uri="http://schemas.microsoft.com/sharepoint/v3"/>
-    <ds:schemaRef ds:uri="http://purl.org/dc/terms/"/>
-    <ds:schemaRef ds:uri="http://purl.org/dc/dcmitype/"/>
-    <ds:schemaRef ds:uri="http://schemas.microsoft.com/office/2006/metadata/properties"/>
-    <ds:schemaRef ds:uri="http://schemas.microsoft.com/office/2006/documentManagement/types"/>
-    <ds:schemaRef ds:uri="http://schemas.microsoft.com/office/infopath/2007/PartnerControls"/>
-    <ds:schemaRef ds:uri="http://purl.org/dc/elements/1.1/"/>
-    <ds:schemaRef ds:uri="9d1f81f6-e953-47ea-988e-33ed651c58e6"/>
-    <ds:schemaRef ds:uri="5a4b3278-325d-441a-b38f-6f1926bc734e"/>
-    <ds:schemaRef ds:uri="230e9df3-be65-4c73-a93b-d1236ebd677e"/>
-  </ds:schemaRefs>
-</ds:datastoreItem>
 </file>